--- a/The Author-topic model for authors and.pptx
+++ b/The Author-topic model for authors and.pptx
@@ -108,6 +108,11 @@
       </a:defRPr>
     </a:lvl9pPr>
   </p:defaultTextStyle>
+  <p:extLst>
+    <p:ext uri="{EFAFB233-063F-42B5-8137-9DF3F51BA10A}">
+      <p15:sldGuideLst xmlns:p15="http://schemas.microsoft.com/office/powerpoint/2012/main"/>
+    </p:ext>
+  </p:extLst>
 </p:presentation>
 </file>
 
@@ -514,7 +519,7 @@
           <a:p>
             <a:fld id="{83284890-85D2-4D7B-8EF5-15A9C1DB8F42}" type="datetimeFigureOut">
               <a:rPr lang="en-US" dirty="0"/>
-              <a:t>2/11/2019</a:t>
+              <a:t>2/12/2019</a:t>
             </a:fld>
             <a:endParaRPr lang="en-US" dirty="0"/>
           </a:p>
@@ -689,7 +694,7 @@
           <a:p>
             <a:fld id="{87157CC2-0FC8-4686-B024-99790E0F5162}" type="datetimeFigureOut">
               <a:rPr lang="en-US" dirty="0"/>
-              <a:t>2/11/2019</a:t>
+              <a:t>2/12/2019</a:t>
             </a:fld>
             <a:endParaRPr lang="en-US" dirty="0"/>
           </a:p>
@@ -864,7 +869,7 @@
           <a:p>
             <a:fld id="{F6764DA5-CD3D-4590-A511-FCD3BC7A793E}" type="datetimeFigureOut">
               <a:rPr lang="en-US" dirty="0"/>
-              <a:t>2/11/2019</a:t>
+              <a:t>2/12/2019</a:t>
             </a:fld>
             <a:endParaRPr lang="en-US" dirty="0"/>
           </a:p>
@@ -1029,7 +1034,7 @@
           <a:p>
             <a:fld id="{82F5661D-6934-4B32-B92C-470368BF1EC6}" type="datetimeFigureOut">
               <a:rPr lang="en-US" dirty="0"/>
-              <a:t>2/11/2019</a:t>
+              <a:t>2/12/2019</a:t>
             </a:fld>
             <a:endParaRPr lang="en-US" dirty="0"/>
           </a:p>
@@ -1337,7 +1342,7 @@
           <a:p>
             <a:fld id="{C6F822A4-8DA6-4447-9B1F-C5DB58435268}" type="datetimeFigureOut">
               <a:rPr lang="en-US" dirty="0"/>
-              <a:t>2/11/2019</a:t>
+              <a:t>2/12/2019</a:t>
             </a:fld>
             <a:endParaRPr lang="en-US" dirty="0"/>
           </a:p>
@@ -1719,7 +1724,7 @@
           <a:p>
             <a:fld id="{E548D31E-DCDA-41A7-9C67-C4B11B94D21D}" type="datetimeFigureOut">
               <a:rPr lang="en-US" dirty="0"/>
-              <a:t>2/11/2019</a:t>
+              <a:t>2/12/2019</a:t>
             </a:fld>
             <a:endParaRPr lang="en-US" dirty="0"/>
           </a:p>
@@ -2148,7 +2153,7 @@
           <a:p>
             <a:fld id="{9B3762C0-B258-48F1-ADE6-176B4174CCDD}" type="datetimeFigureOut">
               <a:rPr lang="en-US" dirty="0"/>
-              <a:t>2/11/2019</a:t>
+              <a:t>2/12/2019</a:t>
             </a:fld>
             <a:endParaRPr lang="en-US" dirty="0"/>
           </a:p>
@@ -2261,7 +2266,7 @@
           <a:p>
             <a:fld id="{677919A6-33EB-49BD-A62F-1FA56B9F9712}" type="datetimeFigureOut">
               <a:rPr lang="en-US" dirty="0"/>
-              <a:t>2/11/2019</a:t>
+              <a:t>2/12/2019</a:t>
             </a:fld>
             <a:endParaRPr lang="en-US" dirty="0"/>
           </a:p>
@@ -2351,7 +2356,7 @@
           <a:p>
             <a:fld id="{CA4E7D1B-D673-4CF6-8672-009D42ABD2A0}" type="datetimeFigureOut">
               <a:rPr lang="en-US" dirty="0"/>
-              <a:t>2/11/2019</a:t>
+              <a:t>2/12/2019</a:t>
             </a:fld>
             <a:endParaRPr lang="en-US" dirty="0"/>
           </a:p>
@@ -2696,7 +2701,7 @@
           <a:p>
             <a:fld id="{DA16AA21-1863-4931-97CB-99D0A168701B}" type="datetimeFigureOut">
               <a:rPr lang="en-US" dirty="0"/>
-              <a:t>2/11/2019</a:t>
+              <a:t>2/12/2019</a:t>
             </a:fld>
             <a:endParaRPr lang="en-US" dirty="0"/>
           </a:p>
@@ -3116,7 +3121,7 @@
           <a:p>
             <a:fld id="{3772C379-9A7C-4C87-A116-CBE9F58B04C5}" type="datetimeFigureOut">
               <a:rPr lang="en-US" dirty="0"/>
-              <a:t>2/11/2019</a:t>
+              <a:t>2/12/2019</a:t>
             </a:fld>
             <a:endParaRPr lang="en-US" dirty="0"/>
           </a:p>
@@ -3392,7 +3397,7 @@
           <a:p>
             <a:fld id="{8664C608-40B1-4030-A28D-5B74BC98ADCE}" type="datetimeFigureOut">
               <a:rPr lang="en-US" dirty="0"/>
-              <a:t>2/11/2019</a:t>
+              <a:t>2/12/2019</a:t>
             </a:fld>
             <a:endParaRPr lang="en-US" dirty="0"/>
           </a:p>
@@ -3982,7 +3987,11 @@
           <a:p>
             <a:r>
               <a:rPr lang="en-US" dirty="0" smtClean="0"/>
-              <a:t>The Author-topic model for authors and </a:t>
+              <a:t>The Author-topic model for authors </a:t>
+            </a:r>
+            <a:r>
+              <a:rPr lang="en-US" dirty="0" smtClean="0"/>
+              <a:t>and Documents </a:t>
             </a:r>
             <a:endParaRPr lang="en-SG" dirty="0"/>
           </a:p>
@@ -4019,7 +4028,6 @@
               <a:rPr lang="en-SG" dirty="0"/>
               <a:t>Apparatus</a:t>
             </a:r>
-            <a:endParaRPr lang="en-SG" dirty="0"/>
           </a:p>
         </p:txBody>
       </p:sp>
@@ -4220,10 +4228,710 @@
           <a:bodyPr/>
           <a:lstStyle/>
           <a:p>
+            <a:r>
+              <a:rPr lang="en-US" dirty="0" smtClean="0"/>
+              <a:t>For author model, the interests of authors are directly modeled with probability </a:t>
+            </a:r>
+            <a:r>
+              <a:rPr lang="en-US" dirty="0" smtClean="0"/>
+              <a:t>distributions over words.</a:t>
+            </a:r>
+          </a:p>
+          <a:p>
+            <a:r>
+              <a:rPr lang="en-US" dirty="0" smtClean="0"/>
+              <a:t> For topic model, </a:t>
+            </a:r>
             <a:endParaRPr lang="en-SG" dirty="0"/>
           </a:p>
         </p:txBody>
       </p:sp>
+      <p:graphicFrame>
+        <p:nvGraphicFramePr>
+          <p:cNvPr id="4" name="Table 3"/>
+          <p:cNvGraphicFramePr>
+            <a:graphicFrameLocks noGrp="1"/>
+          </p:cNvGraphicFramePr>
+          <p:nvPr>
+            <p:extLst>
+              <p:ext uri="{D42A27DB-BD31-4B8C-83A1-F6EECF244321}">
+                <p14:modId xmlns:p14="http://schemas.microsoft.com/office/powerpoint/2010/main" val="1534702113"/>
+              </p:ext>
+            </p:extLst>
+          </p:nvPr>
+        </p:nvGraphicFramePr>
+        <p:xfrm>
+          <a:off x="1269539" y="3544165"/>
+          <a:ext cx="3535218" cy="2286000"/>
+        </p:xfrm>
+        <a:graphic>
+          <a:graphicData uri="http://schemas.openxmlformats.org/drawingml/2006/table">
+            <a:tbl>
+              <a:tblPr>
+                <a:tableStyleId>{5C22544A-7EE6-4342-B048-85BDC9FD1C3A}</a:tableStyleId>
+              </a:tblPr>
+              <a:tblGrid>
+                <a:gridCol w="2075515">
+                  <a:extLst>
+                    <a:ext uri="{9D8B030D-6E8A-4147-A177-3AD203B41FA5}">
+                      <a16:colId xmlns:a16="http://schemas.microsoft.com/office/drawing/2014/main" val="2515458930"/>
+                    </a:ext>
+                  </a:extLst>
+                </a:gridCol>
+                <a:gridCol w="1459703">
+                  <a:extLst>
+                    <a:ext uri="{9D8B030D-6E8A-4147-A177-3AD203B41FA5}">
+                      <a16:colId xmlns:a16="http://schemas.microsoft.com/office/drawing/2014/main" val="611380151"/>
+                    </a:ext>
+                  </a:extLst>
+                </a:gridCol>
+              </a:tblGrid>
+              <a:tr h="190500">
+                <a:tc>
+                  <a:txBody>
+                    <a:bodyPr/>
+                    <a:lstStyle/>
+                    <a:p>
+                      <a:pPr algn="l" fontAlgn="b"/>
+                      <a:r>
+                        <a:rPr lang="en-SG" sz="1100" u="none" strike="noStrike" dirty="0">
+                          <a:effectLst/>
+                        </a:rPr>
+                        <a:t>Author: Ngok-</a:t>
+                      </a:r>
+                      <a:r>
+                        <a:rPr lang="en-SG" sz="1100" u="none" strike="noStrike" dirty="0" err="1">
+                          <a:effectLst/>
+                        </a:rPr>
+                        <a:t>Chao_H</a:t>
+                      </a:r>
+                      <a:endParaRPr lang="en-SG" sz="1100" b="0" i="0" u="none" strike="noStrike" dirty="0">
+                        <a:solidFill>
+                          <a:srgbClr val="000000"/>
+                        </a:solidFill>
+                        <a:effectLst/>
+                        <a:latin typeface="Calibri" panose="020F0502020204030204" pitchFamily="34" charset="0"/>
+                      </a:endParaRPr>
+                    </a:p>
+                  </a:txBody>
+                  <a:tcPr marL="9525" marR="9525" marT="9525" marB="0" anchor="b"/>
+                </a:tc>
+                <a:tc>
+                  <a:txBody>
+                    <a:bodyPr/>
+                    <a:lstStyle/>
+                    <a:p>
+                      <a:pPr algn="l" fontAlgn="b"/>
+                      <a:r>
+                        <a:rPr lang="en-SG" sz="1100" u="none" strike="noStrike">
+                          <a:effectLst/>
+                        </a:rPr>
+                        <a:t> </a:t>
+                      </a:r>
+                      <a:endParaRPr lang="en-SG" sz="1100" b="0" i="0" u="none" strike="noStrike">
+                        <a:solidFill>
+                          <a:srgbClr val="000000"/>
+                        </a:solidFill>
+                        <a:effectLst/>
+                        <a:latin typeface="Calibri" panose="020F0502020204030204" pitchFamily="34" charset="0"/>
+                      </a:endParaRPr>
+                    </a:p>
+                  </a:txBody>
+                  <a:tcPr marL="9525" marR="9525" marT="9525" marB="0" anchor="b"/>
+                </a:tc>
+                <a:extLst>
+                  <a:ext uri="{0D108BD9-81ED-4DB2-BD59-A6C34878D82A}">
+                    <a16:rowId xmlns:a16="http://schemas.microsoft.com/office/drawing/2014/main" val="1478312970"/>
+                  </a:ext>
+                </a:extLst>
+              </a:tr>
+              <a:tr h="190500">
+                <a:tc>
+                  <a:txBody>
+                    <a:bodyPr/>
+                    <a:lstStyle/>
+                    <a:p>
+                      <a:pPr algn="l" fontAlgn="b"/>
+                      <a:r>
+                        <a:rPr lang="en-SG" sz="1100" u="none" strike="noStrike" dirty="0">
+                          <a:effectLst/>
+                        </a:rPr>
+                        <a:t>WORD</a:t>
+                      </a:r>
+                      <a:endParaRPr lang="en-SG" sz="1100" b="0" i="0" u="none" strike="noStrike" dirty="0">
+                        <a:solidFill>
+                          <a:srgbClr val="000000"/>
+                        </a:solidFill>
+                        <a:effectLst/>
+                        <a:latin typeface="Calibri" panose="020F0502020204030204" pitchFamily="34" charset="0"/>
+                      </a:endParaRPr>
+                    </a:p>
+                  </a:txBody>
+                  <a:tcPr marL="9525" marR="9525" marT="9525" marB="0" anchor="b"/>
+                </a:tc>
+                <a:tc>
+                  <a:txBody>
+                    <a:bodyPr/>
+                    <a:lstStyle/>
+                    <a:p>
+                      <a:pPr algn="l" fontAlgn="b"/>
+                      <a:r>
+                        <a:rPr lang="en-SG" sz="1100" u="none" strike="noStrike">
+                          <a:effectLst/>
+                        </a:rPr>
+                        <a:t>PROB.</a:t>
+                      </a:r>
+                      <a:endParaRPr lang="en-SG" sz="1100" b="0" i="0" u="none" strike="noStrike">
+                        <a:solidFill>
+                          <a:srgbClr val="000000"/>
+                        </a:solidFill>
+                        <a:effectLst/>
+                        <a:latin typeface="Calibri" panose="020F0502020204030204" pitchFamily="34" charset="0"/>
+                      </a:endParaRPr>
+                    </a:p>
+                  </a:txBody>
+                  <a:tcPr marL="9525" marR="9525" marT="9525" marB="0" anchor="b"/>
+                </a:tc>
+                <a:extLst>
+                  <a:ext uri="{0D108BD9-81ED-4DB2-BD59-A6C34878D82A}">
+                    <a16:rowId xmlns:a16="http://schemas.microsoft.com/office/drawing/2014/main" val="4096987923"/>
+                  </a:ext>
+                </a:extLst>
+              </a:tr>
+              <a:tr h="190500">
+                <a:tc>
+                  <a:txBody>
+                    <a:bodyPr/>
+                    <a:lstStyle/>
+                    <a:p>
+                      <a:pPr algn="l" fontAlgn="b"/>
+                      <a:r>
+                        <a:rPr lang="en-SG" sz="1100" u="none" strike="noStrike" dirty="0">
+                          <a:effectLst/>
+                        </a:rPr>
+                        <a:t>machine</a:t>
+                      </a:r>
+                      <a:endParaRPr lang="en-SG" sz="1100" b="0" i="0" u="none" strike="noStrike" dirty="0">
+                        <a:solidFill>
+                          <a:srgbClr val="000000"/>
+                        </a:solidFill>
+                        <a:effectLst/>
+                        <a:latin typeface="Calibri" panose="020F0502020204030204" pitchFamily="34" charset="0"/>
+                      </a:endParaRPr>
+                    </a:p>
+                  </a:txBody>
+                  <a:tcPr marL="9525" marR="9525" marT="9525" marB="0" anchor="b"/>
+                </a:tc>
+                <a:tc>
+                  <a:txBody>
+                    <a:bodyPr/>
+                    <a:lstStyle/>
+                    <a:p>
+                      <a:pPr algn="r" fontAlgn="b"/>
+                      <a:r>
+                        <a:rPr lang="en-SG" sz="1100" u="none" strike="noStrike">
+                          <a:effectLst/>
+                        </a:rPr>
+                        <a:t>0.0823</a:t>
+                      </a:r>
+                      <a:endParaRPr lang="en-SG" sz="1100" b="0" i="0" u="none" strike="noStrike">
+                        <a:solidFill>
+                          <a:srgbClr val="000000"/>
+                        </a:solidFill>
+                        <a:effectLst/>
+                        <a:latin typeface="Calibri" panose="020F0502020204030204" pitchFamily="34" charset="0"/>
+                      </a:endParaRPr>
+                    </a:p>
+                  </a:txBody>
+                  <a:tcPr marL="9525" marR="9525" marT="9525" marB="0" anchor="b"/>
+                </a:tc>
+                <a:extLst>
+                  <a:ext uri="{0D108BD9-81ED-4DB2-BD59-A6C34878D82A}">
+                    <a16:rowId xmlns:a16="http://schemas.microsoft.com/office/drawing/2014/main" val="2218449212"/>
+                  </a:ext>
+                </a:extLst>
+              </a:tr>
+              <a:tr h="190500">
+                <a:tc>
+                  <a:txBody>
+                    <a:bodyPr/>
+                    <a:lstStyle/>
+                    <a:p>
+                      <a:pPr algn="l" fontAlgn="b"/>
+                      <a:r>
+                        <a:rPr lang="en-SG" sz="1100" u="none" strike="noStrike" dirty="0">
+                          <a:effectLst/>
+                        </a:rPr>
+                        <a:t>learning</a:t>
+                      </a:r>
+                      <a:endParaRPr lang="en-SG" sz="1100" b="0" i="0" u="none" strike="noStrike" dirty="0">
+                        <a:solidFill>
+                          <a:srgbClr val="000000"/>
+                        </a:solidFill>
+                        <a:effectLst/>
+                        <a:latin typeface="Calibri" panose="020F0502020204030204" pitchFamily="34" charset="0"/>
+                      </a:endParaRPr>
+                    </a:p>
+                  </a:txBody>
+                  <a:tcPr marL="9525" marR="9525" marT="9525" marB="0" anchor="b"/>
+                </a:tc>
+                <a:tc>
+                  <a:txBody>
+                    <a:bodyPr/>
+                    <a:lstStyle/>
+                    <a:p>
+                      <a:pPr algn="r" fontAlgn="b"/>
+                      <a:r>
+                        <a:rPr lang="en-SG" sz="1100" u="none" strike="noStrike">
+                          <a:effectLst/>
+                        </a:rPr>
+                        <a:t>0.0497</a:t>
+                      </a:r>
+                      <a:endParaRPr lang="en-SG" sz="1100" b="0" i="0" u="none" strike="noStrike">
+                        <a:solidFill>
+                          <a:srgbClr val="000000"/>
+                        </a:solidFill>
+                        <a:effectLst/>
+                        <a:latin typeface="Calibri" panose="020F0502020204030204" pitchFamily="34" charset="0"/>
+                      </a:endParaRPr>
+                    </a:p>
+                  </a:txBody>
+                  <a:tcPr marL="9525" marR="9525" marT="9525" marB="0" anchor="b"/>
+                </a:tc>
+                <a:extLst>
+                  <a:ext uri="{0D108BD9-81ED-4DB2-BD59-A6C34878D82A}">
+                    <a16:rowId xmlns:a16="http://schemas.microsoft.com/office/drawing/2014/main" val="618804698"/>
+                  </a:ext>
+                </a:extLst>
+              </a:tr>
+              <a:tr h="190500">
+                <a:tc>
+                  <a:txBody>
+                    <a:bodyPr/>
+                    <a:lstStyle/>
+                    <a:p>
+                      <a:pPr algn="l" fontAlgn="b"/>
+                      <a:r>
+                        <a:rPr lang="en-SG" sz="1100" u="none" strike="noStrike" dirty="0" err="1">
+                          <a:effectLst/>
+                        </a:rPr>
+                        <a:t>upsupervised</a:t>
+                      </a:r>
+                      <a:endParaRPr lang="en-SG" sz="1100" b="0" i="0" u="none" strike="noStrike" dirty="0">
+                        <a:solidFill>
+                          <a:srgbClr val="000000"/>
+                        </a:solidFill>
+                        <a:effectLst/>
+                        <a:latin typeface="Calibri" panose="020F0502020204030204" pitchFamily="34" charset="0"/>
+                      </a:endParaRPr>
+                    </a:p>
+                  </a:txBody>
+                  <a:tcPr marL="9525" marR="9525" marT="9525" marB="0" anchor="b"/>
+                </a:tc>
+                <a:tc>
+                  <a:txBody>
+                    <a:bodyPr/>
+                    <a:lstStyle/>
+                    <a:p>
+                      <a:pPr algn="r" fontAlgn="b"/>
+                      <a:r>
+                        <a:rPr lang="en-SG" sz="1100" u="none" strike="noStrike">
+                          <a:effectLst/>
+                        </a:rPr>
+                        <a:t>0.0234</a:t>
+                      </a:r>
+                      <a:endParaRPr lang="en-SG" sz="1100" b="0" i="0" u="none" strike="noStrike">
+                        <a:solidFill>
+                          <a:srgbClr val="000000"/>
+                        </a:solidFill>
+                        <a:effectLst/>
+                        <a:latin typeface="Calibri" panose="020F0502020204030204" pitchFamily="34" charset="0"/>
+                      </a:endParaRPr>
+                    </a:p>
+                  </a:txBody>
+                  <a:tcPr marL="9525" marR="9525" marT="9525" marB="0" anchor="b"/>
+                </a:tc>
+                <a:extLst>
+                  <a:ext uri="{0D108BD9-81ED-4DB2-BD59-A6C34878D82A}">
+                    <a16:rowId xmlns:a16="http://schemas.microsoft.com/office/drawing/2014/main" val="1989960769"/>
+                  </a:ext>
+                </a:extLst>
+              </a:tr>
+              <a:tr h="190500">
+                <a:tc>
+                  <a:txBody>
+                    <a:bodyPr/>
+                    <a:lstStyle/>
+                    <a:p>
+                      <a:pPr algn="l" fontAlgn="b"/>
+                      <a:r>
+                        <a:rPr lang="en-SG" sz="1100" u="none" strike="noStrike" dirty="0">
+                          <a:effectLst/>
+                        </a:rPr>
+                        <a:t>supervised</a:t>
+                      </a:r>
+                      <a:endParaRPr lang="en-SG" sz="1100" b="0" i="0" u="none" strike="noStrike" dirty="0">
+                        <a:solidFill>
+                          <a:srgbClr val="000000"/>
+                        </a:solidFill>
+                        <a:effectLst/>
+                        <a:latin typeface="Calibri" panose="020F0502020204030204" pitchFamily="34" charset="0"/>
+                      </a:endParaRPr>
+                    </a:p>
+                  </a:txBody>
+                  <a:tcPr marL="9525" marR="9525" marT="9525" marB="0" anchor="b"/>
+                </a:tc>
+                <a:tc>
+                  <a:txBody>
+                    <a:bodyPr/>
+                    <a:lstStyle/>
+                    <a:p>
+                      <a:pPr algn="r" fontAlgn="b"/>
+                      <a:r>
+                        <a:rPr lang="en-SG" sz="1100" u="none" strike="noStrike">
+                          <a:effectLst/>
+                        </a:rPr>
+                        <a:t>0.0226</a:t>
+                      </a:r>
+                      <a:endParaRPr lang="en-SG" sz="1100" b="0" i="0" u="none" strike="noStrike">
+                        <a:solidFill>
+                          <a:srgbClr val="000000"/>
+                        </a:solidFill>
+                        <a:effectLst/>
+                        <a:latin typeface="Calibri" panose="020F0502020204030204" pitchFamily="34" charset="0"/>
+                      </a:endParaRPr>
+                    </a:p>
+                  </a:txBody>
+                  <a:tcPr marL="9525" marR="9525" marT="9525" marB="0" anchor="b"/>
+                </a:tc>
+                <a:extLst>
+                  <a:ext uri="{0D108BD9-81ED-4DB2-BD59-A6C34878D82A}">
+                    <a16:rowId xmlns:a16="http://schemas.microsoft.com/office/drawing/2014/main" val="1545636341"/>
+                  </a:ext>
+                </a:extLst>
+              </a:tr>
+              <a:tr h="190500">
+                <a:tc>
+                  <a:txBody>
+                    <a:bodyPr/>
+                    <a:lstStyle/>
+                    <a:p>
+                      <a:pPr algn="l" fontAlgn="b"/>
+                      <a:r>
+                        <a:rPr lang="en-SG" sz="1100" u="none" strike="noStrike" dirty="0">
+                          <a:effectLst/>
+                        </a:rPr>
+                        <a:t>python</a:t>
+                      </a:r>
+                      <a:endParaRPr lang="en-SG" sz="1100" b="0" i="0" u="none" strike="noStrike" dirty="0">
+                        <a:solidFill>
+                          <a:srgbClr val="000000"/>
+                        </a:solidFill>
+                        <a:effectLst/>
+                        <a:latin typeface="Calibri" panose="020F0502020204030204" pitchFamily="34" charset="0"/>
+                      </a:endParaRPr>
+                    </a:p>
+                  </a:txBody>
+                  <a:tcPr marL="9525" marR="9525" marT="9525" marB="0" anchor="b"/>
+                </a:tc>
+                <a:tc>
+                  <a:txBody>
+                    <a:bodyPr/>
+                    <a:lstStyle/>
+                    <a:p>
+                      <a:pPr algn="r" fontAlgn="b"/>
+                      <a:r>
+                        <a:rPr lang="en-SG" sz="1100" u="none" strike="noStrike">
+                          <a:effectLst/>
+                        </a:rPr>
+                        <a:t>0.0224</a:t>
+                      </a:r>
+                      <a:endParaRPr lang="en-SG" sz="1100" b="0" i="0" u="none" strike="noStrike">
+                        <a:solidFill>
+                          <a:srgbClr val="000000"/>
+                        </a:solidFill>
+                        <a:effectLst/>
+                        <a:latin typeface="Calibri" panose="020F0502020204030204" pitchFamily="34" charset="0"/>
+                      </a:endParaRPr>
+                    </a:p>
+                  </a:txBody>
+                  <a:tcPr marL="9525" marR="9525" marT="9525" marB="0" anchor="b"/>
+                </a:tc>
+                <a:extLst>
+                  <a:ext uri="{0D108BD9-81ED-4DB2-BD59-A6C34878D82A}">
+                    <a16:rowId xmlns:a16="http://schemas.microsoft.com/office/drawing/2014/main" val="4009572495"/>
+                  </a:ext>
+                </a:extLst>
+              </a:tr>
+              <a:tr h="190500">
+                <a:tc>
+                  <a:txBody>
+                    <a:bodyPr/>
+                    <a:lstStyle/>
+                    <a:p>
+                      <a:pPr algn="l" fontAlgn="b"/>
+                      <a:r>
+                        <a:rPr lang="en-SG" sz="1100" u="none" strike="noStrike" dirty="0">
+                          <a:effectLst/>
+                        </a:rPr>
+                        <a:t>C++</a:t>
+                      </a:r>
+                      <a:endParaRPr lang="en-SG" sz="1100" b="0" i="0" u="none" strike="noStrike" dirty="0">
+                        <a:solidFill>
+                          <a:srgbClr val="000000"/>
+                        </a:solidFill>
+                        <a:effectLst/>
+                        <a:latin typeface="Calibri" panose="020F0502020204030204" pitchFamily="34" charset="0"/>
+                      </a:endParaRPr>
+                    </a:p>
+                  </a:txBody>
+                  <a:tcPr marL="9525" marR="9525" marT="9525" marB="0" anchor="b"/>
+                </a:tc>
+                <a:tc>
+                  <a:txBody>
+                    <a:bodyPr/>
+                    <a:lstStyle/>
+                    <a:p>
+                      <a:pPr algn="r" fontAlgn="b"/>
+                      <a:r>
+                        <a:rPr lang="en-SG" sz="1100" u="none" strike="noStrike">
+                          <a:effectLst/>
+                        </a:rPr>
+                        <a:t>0.0166</a:t>
+                      </a:r>
+                      <a:endParaRPr lang="en-SG" sz="1100" b="0" i="0" u="none" strike="noStrike">
+                        <a:solidFill>
+                          <a:srgbClr val="000000"/>
+                        </a:solidFill>
+                        <a:effectLst/>
+                        <a:latin typeface="Calibri" panose="020F0502020204030204" pitchFamily="34" charset="0"/>
+                      </a:endParaRPr>
+                    </a:p>
+                  </a:txBody>
+                  <a:tcPr marL="9525" marR="9525" marT="9525" marB="0" anchor="b"/>
+                </a:tc>
+                <a:extLst>
+                  <a:ext uri="{0D108BD9-81ED-4DB2-BD59-A6C34878D82A}">
+                    <a16:rowId xmlns:a16="http://schemas.microsoft.com/office/drawing/2014/main" val="2370548638"/>
+                  </a:ext>
+                </a:extLst>
+              </a:tr>
+              <a:tr h="190500">
+                <a:tc>
+                  <a:txBody>
+                    <a:bodyPr/>
+                    <a:lstStyle/>
+                    <a:p>
+                      <a:pPr algn="l" fontAlgn="b"/>
+                      <a:r>
+                        <a:rPr lang="en-SG" sz="1100" u="none" strike="noStrike">
+                          <a:effectLst/>
+                        </a:rPr>
+                        <a:t>natural</a:t>
+                      </a:r>
+                      <a:endParaRPr lang="en-SG" sz="1100" b="0" i="0" u="none" strike="noStrike">
+                        <a:solidFill>
+                          <a:srgbClr val="000000"/>
+                        </a:solidFill>
+                        <a:effectLst/>
+                        <a:latin typeface="Calibri" panose="020F0502020204030204" pitchFamily="34" charset="0"/>
+                      </a:endParaRPr>
+                    </a:p>
+                  </a:txBody>
+                  <a:tcPr marL="9525" marR="9525" marT="9525" marB="0" anchor="b"/>
+                </a:tc>
+                <a:tc>
+                  <a:txBody>
+                    <a:bodyPr/>
+                    <a:lstStyle/>
+                    <a:p>
+                      <a:pPr algn="r" fontAlgn="b"/>
+                      <a:r>
+                        <a:rPr lang="en-SG" sz="1100" u="none" strike="noStrike">
+                          <a:effectLst/>
+                        </a:rPr>
+                        <a:t>0.0151</a:t>
+                      </a:r>
+                      <a:endParaRPr lang="en-SG" sz="1100" b="0" i="0" u="none" strike="noStrike">
+                        <a:solidFill>
+                          <a:srgbClr val="000000"/>
+                        </a:solidFill>
+                        <a:effectLst/>
+                        <a:latin typeface="Calibri" panose="020F0502020204030204" pitchFamily="34" charset="0"/>
+                      </a:endParaRPr>
+                    </a:p>
+                  </a:txBody>
+                  <a:tcPr marL="9525" marR="9525" marT="9525" marB="0" anchor="b"/>
+                </a:tc>
+                <a:extLst>
+                  <a:ext uri="{0D108BD9-81ED-4DB2-BD59-A6C34878D82A}">
+                    <a16:rowId xmlns:a16="http://schemas.microsoft.com/office/drawing/2014/main" val="143665842"/>
+                  </a:ext>
+                </a:extLst>
+              </a:tr>
+              <a:tr h="190500">
+                <a:tc>
+                  <a:txBody>
+                    <a:bodyPr/>
+                    <a:lstStyle/>
+                    <a:p>
+                      <a:pPr algn="l" fontAlgn="b"/>
+                      <a:r>
+                        <a:rPr lang="en-SG" sz="1100" u="none" strike="noStrike">
+                          <a:effectLst/>
+                        </a:rPr>
+                        <a:t>language</a:t>
+                      </a:r>
+                      <a:endParaRPr lang="en-SG" sz="1100" b="0" i="0" u="none" strike="noStrike">
+                        <a:solidFill>
+                          <a:srgbClr val="000000"/>
+                        </a:solidFill>
+                        <a:effectLst/>
+                        <a:latin typeface="Calibri" panose="020F0502020204030204" pitchFamily="34" charset="0"/>
+                      </a:endParaRPr>
+                    </a:p>
+                  </a:txBody>
+                  <a:tcPr marL="9525" marR="9525" marT="9525" marB="0" anchor="b"/>
+                </a:tc>
+                <a:tc>
+                  <a:txBody>
+                    <a:bodyPr/>
+                    <a:lstStyle/>
+                    <a:p>
+                      <a:pPr algn="r" fontAlgn="b"/>
+                      <a:r>
+                        <a:rPr lang="en-SG" sz="1100" u="none" strike="noStrike">
+                          <a:effectLst/>
+                        </a:rPr>
+                        <a:t>0.0134</a:t>
+                      </a:r>
+                      <a:endParaRPr lang="en-SG" sz="1100" b="0" i="0" u="none" strike="noStrike">
+                        <a:solidFill>
+                          <a:srgbClr val="000000"/>
+                        </a:solidFill>
+                        <a:effectLst/>
+                        <a:latin typeface="Calibri" panose="020F0502020204030204" pitchFamily="34" charset="0"/>
+                      </a:endParaRPr>
+                    </a:p>
+                  </a:txBody>
+                  <a:tcPr marL="9525" marR="9525" marT="9525" marB="0" anchor="b"/>
+                </a:tc>
+                <a:extLst>
+                  <a:ext uri="{0D108BD9-81ED-4DB2-BD59-A6C34878D82A}">
+                    <a16:rowId xmlns:a16="http://schemas.microsoft.com/office/drawing/2014/main" val="2111077022"/>
+                  </a:ext>
+                </a:extLst>
+              </a:tr>
+              <a:tr h="190500">
+                <a:tc>
+                  <a:txBody>
+                    <a:bodyPr/>
+                    <a:lstStyle/>
+                    <a:p>
+                      <a:pPr algn="l" fontAlgn="b"/>
+                      <a:r>
+                        <a:rPr lang="en-SG" sz="1100" u="none" strike="noStrike">
+                          <a:effectLst/>
+                        </a:rPr>
+                        <a:t>processing</a:t>
+                      </a:r>
+                      <a:endParaRPr lang="en-SG" sz="1100" b="0" i="0" u="none" strike="noStrike">
+                        <a:solidFill>
+                          <a:srgbClr val="000000"/>
+                        </a:solidFill>
+                        <a:effectLst/>
+                        <a:latin typeface="Calibri" panose="020F0502020204030204" pitchFamily="34" charset="0"/>
+                      </a:endParaRPr>
+                    </a:p>
+                  </a:txBody>
+                  <a:tcPr marL="9525" marR="9525" marT="9525" marB="0" anchor="b"/>
+                </a:tc>
+                <a:tc>
+                  <a:txBody>
+                    <a:bodyPr/>
+                    <a:lstStyle/>
+                    <a:p>
+                      <a:pPr algn="r" fontAlgn="b"/>
+                      <a:r>
+                        <a:rPr lang="en-SG" sz="1100" u="none" strike="noStrike">
+                          <a:effectLst/>
+                        </a:rPr>
+                        <a:t>0.0131</a:t>
+                      </a:r>
+                      <a:endParaRPr lang="en-SG" sz="1100" b="0" i="0" u="none" strike="noStrike">
+                        <a:solidFill>
+                          <a:srgbClr val="000000"/>
+                        </a:solidFill>
+                        <a:effectLst/>
+                        <a:latin typeface="Calibri" panose="020F0502020204030204" pitchFamily="34" charset="0"/>
+                      </a:endParaRPr>
+                    </a:p>
+                  </a:txBody>
+                  <a:tcPr marL="9525" marR="9525" marT="9525" marB="0" anchor="b"/>
+                </a:tc>
+                <a:extLst>
+                  <a:ext uri="{0D108BD9-81ED-4DB2-BD59-A6C34878D82A}">
+                    <a16:rowId xmlns:a16="http://schemas.microsoft.com/office/drawing/2014/main" val="1186988485"/>
+                  </a:ext>
+                </a:extLst>
+              </a:tr>
+              <a:tr h="190500">
+                <a:tc>
+                  <a:txBody>
+                    <a:bodyPr/>
+                    <a:lstStyle/>
+                    <a:p>
+                      <a:pPr algn="l" fontAlgn="b"/>
+                      <a:r>
+                        <a:rPr lang="en-SG" sz="1100" u="none" strike="noStrike">
+                          <a:effectLst/>
+                        </a:rPr>
+                        <a:t>continuous</a:t>
+                      </a:r>
+                      <a:endParaRPr lang="en-SG" sz="1100" b="0" i="0" u="none" strike="noStrike">
+                        <a:solidFill>
+                          <a:srgbClr val="000000"/>
+                        </a:solidFill>
+                        <a:effectLst/>
+                        <a:latin typeface="Calibri" panose="020F0502020204030204" pitchFamily="34" charset="0"/>
+                      </a:endParaRPr>
+                    </a:p>
+                  </a:txBody>
+                  <a:tcPr marL="9525" marR="9525" marT="9525" marB="0" anchor="b"/>
+                </a:tc>
+                <a:tc>
+                  <a:txBody>
+                    <a:bodyPr/>
+                    <a:lstStyle/>
+                    <a:p>
+                      <a:pPr algn="r" fontAlgn="b"/>
+                      <a:r>
+                        <a:rPr lang="en-SG" sz="1100" u="none" strike="noStrike" dirty="0">
+                          <a:effectLst/>
+                        </a:rPr>
+                        <a:t>0.0121</a:t>
+                      </a:r>
+                      <a:endParaRPr lang="en-SG" sz="1100" b="0" i="0" u="none" strike="noStrike" dirty="0">
+                        <a:solidFill>
+                          <a:srgbClr val="000000"/>
+                        </a:solidFill>
+                        <a:effectLst/>
+                        <a:latin typeface="Calibri" panose="020F0502020204030204" pitchFamily="34" charset="0"/>
+                      </a:endParaRPr>
+                    </a:p>
+                  </a:txBody>
+                  <a:tcPr marL="9525" marR="9525" marT="9525" marB="0" anchor="b"/>
+                </a:tc>
+                <a:extLst>
+                  <a:ext uri="{0D108BD9-81ED-4DB2-BD59-A6C34878D82A}">
+                    <a16:rowId xmlns:a16="http://schemas.microsoft.com/office/drawing/2014/main" val="3411499763"/>
+                  </a:ext>
+                </a:extLst>
+              </a:tr>
+            </a:tbl>
+          </a:graphicData>
+        </a:graphic>
+      </p:graphicFrame>
     </p:spTree>
     <p:extLst>
       <p:ext uri="{BB962C8B-B14F-4D97-AF65-F5344CB8AC3E}">

--- a/The Author-topic model for authors and.pptx
+++ b/The Author-topic model for authors and.pptx
@@ -3987,11 +3987,7 @@
           <a:p>
             <a:r>
               <a:rPr lang="en-US" dirty="0" smtClean="0"/>
-              <a:t>The Author-topic model for authors </a:t>
-            </a:r>
-            <a:r>
-              <a:rPr lang="en-US" dirty="0" smtClean="0"/>
-              <a:t>and Documents </a:t>
+              <a:t>The Author-topic model for authors and Documents </a:t>
             </a:r>
             <a:endParaRPr lang="en-SG" dirty="0"/>
           </a:p>
@@ -4230,11 +4226,7 @@
           <a:p>
             <a:r>
               <a:rPr lang="en-US" dirty="0" smtClean="0"/>
-              <a:t>For author model, the interests of authors are directly modeled with probability </a:t>
-            </a:r>
-            <a:r>
-              <a:rPr lang="en-US" dirty="0" smtClean="0"/>
-              <a:t>distributions over words.</a:t>
+              <a:t>For author model, the interests of authors are directly modeled with probability distributions over words.</a:t>
             </a:r>
           </a:p>
           <a:p>
